--- a/ソフトウェア構成管理/Github運用ルール.pptx
+++ b/ソフトウェア構成管理/Github運用ルール.pptx
@@ -5,10 +5,10 @@
     <p:sldMasterId id="2147483648" r:id="rId1"/>
   </p:sldMasterIdLst>
   <p:notesMasterIdLst>
-    <p:notesMasterId r:id="rId7"/>
+    <p:notesMasterId r:id="rId8"/>
   </p:notesMasterIdLst>
   <p:handoutMasterIdLst>
-    <p:handoutMasterId r:id="rId8"/>
+    <p:handoutMasterId r:id="rId9"/>
   </p:handoutMasterIdLst>
   <p:sldIdLst>
     <p:sldId id="256" r:id="rId2"/>
@@ -16,6 +16,7 @@
     <p:sldId id="304" r:id="rId4"/>
     <p:sldId id="300" r:id="rId5"/>
     <p:sldId id="302" r:id="rId6"/>
+    <p:sldId id="305" r:id="rId7"/>
   </p:sldIdLst>
   <p:sldSz cx="9144000" cy="6858000" type="screen4x3"/>
   <p:notesSz cx="7102475" cy="10234613"/>
@@ -216,7 +217,7 @@
           <a:p>
             <a:fld id="{9F896D6C-A7D6-43CC-8ADE-3EEF23383B79}" type="datetimeFigureOut">
               <a:rPr kumimoji="1" lang="ja-JP" altLang="en-US" smtClean="0"/>
-              <a:t>2020/7/9</a:t>
+              <a:t>2020/7/14</a:t>
             </a:fld>
             <a:endParaRPr kumimoji="1" lang="ja-JP" altLang="en-US"/>
           </a:p>
@@ -1089,6 +1090,117 @@
     <p:extLst>
       <p:ext uri="{BB962C8B-B14F-4D97-AF65-F5344CB8AC3E}">
         <p14:creationId xmlns:p14="http://schemas.microsoft.com/office/powerpoint/2010/main" val="33751358"/>
+      </p:ext>
+    </p:extLst>
+  </p:cSld>
+  <p:clrMapOvr>
+    <a:masterClrMapping/>
+  </p:clrMapOvr>
+</p:notes>
+</file>
+
+<file path=ppt/notesSlides/notesSlide6.xml><?xml version="1.0" encoding="utf-8"?>
+<p:notes xmlns:a="http://schemas.openxmlformats.org/drawingml/2006/main" xmlns:r="http://schemas.openxmlformats.org/officeDocument/2006/relationships" xmlns:p="http://schemas.openxmlformats.org/presentationml/2006/main">
+  <p:cSld>
+    <p:spTree>
+      <p:nvGrpSpPr>
+        <p:cNvPr id="1" name=""/>
+        <p:cNvGrpSpPr/>
+        <p:nvPr/>
+      </p:nvGrpSpPr>
+      <p:grpSpPr>
+        <a:xfrm>
+          <a:off x="0" y="0"/>
+          <a:ext cx="0" cy="0"/>
+          <a:chOff x="0" y="0"/>
+          <a:chExt cx="0" cy="0"/>
+        </a:xfrm>
+      </p:grpSpPr>
+      <p:sp>
+        <p:nvSpPr>
+          <p:cNvPr id="152" name="PlaceHolder 1"/>
+          <p:cNvSpPr>
+            <a:spLocks noGrp="1" noRot="1" noChangeAspect="1"/>
+          </p:cNvSpPr>
+          <p:nvPr>
+            <p:ph type="sldImg"/>
+          </p:nvPr>
+        </p:nvSpPr>
+        <p:spPr>
+          <a:xfrm>
+            <a:off x="993775" y="768350"/>
+            <a:ext cx="5113338" cy="3835400"/>
+          </a:xfrm>
+          <a:prstGeom prst="rect">
+            <a:avLst/>
+          </a:prstGeom>
+        </p:spPr>
+      </p:sp>
+      <p:sp>
+        <p:nvSpPr>
+          <p:cNvPr id="153" name="PlaceHolder 2"/>
+          <p:cNvSpPr>
+            <a:spLocks noGrp="1"/>
+          </p:cNvSpPr>
+          <p:nvPr>
+            <p:ph type="body"/>
+          </p:nvPr>
+        </p:nvSpPr>
+        <p:spPr>
+          <a:xfrm>
+            <a:off x="709560" y="4861080"/>
+            <a:ext cx="5680800" cy="4602960"/>
+          </a:xfrm>
+          <a:prstGeom prst="rect">
+            <a:avLst/>
+          </a:prstGeom>
+        </p:spPr>
+        <p:txBody>
+          <a:bodyPr lIns="99000" tIns="49680" rIns="99000" bIns="49680"/>
+          <a:lstStyle/>
+          <a:p>
+            <a:endParaRPr lang="en-US" sz="2000" b="0" strike="noStrike" spc="-1">
+              <a:latin typeface="Arial"/>
+            </a:endParaRPr>
+          </a:p>
+        </p:txBody>
+      </p:sp>
+      <p:sp>
+        <p:nvSpPr>
+          <p:cNvPr id="154" name="CustomShape 3"/>
+          <p:cNvSpPr/>
+          <p:nvPr/>
+        </p:nvSpPr>
+        <p:spPr>
+          <a:xfrm>
+            <a:off x="4022640" y="9721800"/>
+            <a:ext cx="3075480" cy="508680"/>
+          </a:xfrm>
+          <a:prstGeom prst="rect">
+            <a:avLst/>
+          </a:prstGeom>
+          <a:noFill/>
+          <a:ln>
+            <a:noFill/>
+          </a:ln>
+        </p:spPr>
+        <p:style>
+          <a:lnRef idx="0">
+            <a:srgbClr val="FFFFFF"/>
+          </a:lnRef>
+          <a:fillRef idx="0">
+            <a:srgbClr val="FFFFFF"/>
+          </a:fillRef>
+          <a:effectRef idx="0">
+            <a:srgbClr val="FFFFFF"/>
+          </a:effectRef>
+          <a:fontRef idx="minor"/>
+        </p:style>
+      </p:sp>
+    </p:spTree>
+    <p:extLst>
+      <p:ext uri="{BB962C8B-B14F-4D97-AF65-F5344CB8AC3E}">
+        <p14:creationId xmlns:p14="http://schemas.microsoft.com/office/powerpoint/2010/main" val="2732467271"/>
       </p:ext>
     </p:extLst>
   </p:cSld>
@@ -5273,6 +5385,12 @@
               </a:spcBef>
             </a:pPr>
             <a:r>
+              <a:rPr lang="en-US" sz="2400" spc="-1" dirty="0">
+                <a:latin typeface="Arial"/>
+              </a:rPr>
+              <a:t>3. </a:t>
+            </a:r>
+            <a:r>
               <a:rPr lang="en-US" sz="2400" spc="-1" dirty="0" err="1">
                 <a:latin typeface="Arial"/>
               </a:rPr>
@@ -6712,6 +6830,12 @@
               </a:spcBef>
             </a:pPr>
             <a:r>
+              <a:rPr lang="en-US" sz="2400" spc="-1" dirty="0">
+                <a:latin typeface="Arial"/>
+              </a:rPr>
+              <a:t>4. </a:t>
+            </a:r>
+            <a:r>
               <a:rPr lang="en-US" sz="2400" spc="-1" dirty="0" err="1">
                 <a:latin typeface="Arial"/>
               </a:rPr>
@@ -8413,6 +8537,373 @@
     <p:extLst>
       <p:ext uri="{BB962C8B-B14F-4D97-AF65-F5344CB8AC3E}">
         <p14:creationId xmlns:p14="http://schemas.microsoft.com/office/powerpoint/2010/main" val="4026916810"/>
+      </p:ext>
+    </p:extLst>
+  </p:cSld>
+  <p:clrMapOvr>
+    <a:masterClrMapping/>
+  </p:clrMapOvr>
+</p:sld>
+</file>
+
+<file path=ppt/slides/slide6.xml><?xml version="1.0" encoding="utf-8"?>
+<p:sld xmlns:a="http://schemas.openxmlformats.org/drawingml/2006/main" xmlns:r="http://schemas.openxmlformats.org/officeDocument/2006/relationships" xmlns:p="http://schemas.openxmlformats.org/presentationml/2006/main">
+  <p:cSld>
+    <p:spTree>
+      <p:nvGrpSpPr>
+        <p:cNvPr id="1" name=""/>
+        <p:cNvGrpSpPr/>
+        <p:nvPr/>
+      </p:nvGrpSpPr>
+      <p:grpSpPr>
+        <a:xfrm>
+          <a:off x="0" y="0"/>
+          <a:ext cx="0" cy="0"/>
+          <a:chOff x="0" y="0"/>
+          <a:chExt cx="0" cy="0"/>
+        </a:xfrm>
+      </p:grpSpPr>
+      <p:sp>
+        <p:nvSpPr>
+          <p:cNvPr id="50" name="CustomShape 1"/>
+          <p:cNvSpPr/>
+          <p:nvPr/>
+        </p:nvSpPr>
+        <p:spPr>
+          <a:xfrm>
+            <a:off x="0" y="739800"/>
+            <a:ext cx="8069760" cy="48240"/>
+          </a:xfrm>
+          <a:prstGeom prst="rect">
+            <a:avLst/>
+          </a:prstGeom>
+          <a:solidFill>
+            <a:srgbClr val="BEC2CD"/>
+          </a:solidFill>
+          <a:ln>
+            <a:noFill/>
+          </a:ln>
+        </p:spPr>
+        <p:style>
+          <a:lnRef idx="2">
+            <a:schemeClr val="accent1">
+              <a:shade val="50000"/>
+            </a:schemeClr>
+          </a:lnRef>
+          <a:fillRef idx="1">
+            <a:schemeClr val="accent1"/>
+          </a:fillRef>
+          <a:effectRef idx="0">
+            <a:schemeClr val="accent1"/>
+          </a:effectRef>
+          <a:fontRef idx="minor"/>
+        </p:style>
+      </p:sp>
+      <p:sp>
+        <p:nvSpPr>
+          <p:cNvPr id="51" name="CustomShape 2"/>
+          <p:cNvSpPr/>
+          <p:nvPr/>
+        </p:nvSpPr>
+        <p:spPr>
+          <a:xfrm>
+            <a:off x="0" y="0"/>
+            <a:ext cx="9141480" cy="140400"/>
+          </a:xfrm>
+          <a:prstGeom prst="rect">
+            <a:avLst/>
+          </a:prstGeom>
+          <a:solidFill>
+            <a:srgbClr val="106A85"/>
+          </a:solidFill>
+          <a:ln>
+            <a:noFill/>
+          </a:ln>
+        </p:spPr>
+        <p:style>
+          <a:lnRef idx="2">
+            <a:schemeClr val="accent1">
+              <a:shade val="50000"/>
+            </a:schemeClr>
+          </a:lnRef>
+          <a:fillRef idx="1">
+            <a:schemeClr val="accent1"/>
+          </a:fillRef>
+          <a:effectRef idx="0">
+            <a:schemeClr val="accent1"/>
+          </a:effectRef>
+          <a:fontRef idx="minor"/>
+        </p:style>
+      </p:sp>
+      <p:sp>
+        <p:nvSpPr>
+          <p:cNvPr id="52" name="CustomShape 3"/>
+          <p:cNvSpPr/>
+          <p:nvPr/>
+        </p:nvSpPr>
+        <p:spPr>
+          <a:xfrm>
+            <a:off x="0" y="6561000"/>
+            <a:ext cx="9141480" cy="283320"/>
+          </a:xfrm>
+          <a:prstGeom prst="rect">
+            <a:avLst/>
+          </a:prstGeom>
+          <a:solidFill>
+            <a:srgbClr val="106A85"/>
+          </a:solidFill>
+          <a:ln>
+            <a:noFill/>
+          </a:ln>
+        </p:spPr>
+        <p:style>
+          <a:lnRef idx="2">
+            <a:schemeClr val="accent1">
+              <a:shade val="50000"/>
+            </a:schemeClr>
+          </a:lnRef>
+          <a:fillRef idx="1">
+            <a:schemeClr val="accent1"/>
+          </a:fillRef>
+          <a:effectRef idx="0">
+            <a:schemeClr val="accent1"/>
+          </a:effectRef>
+          <a:fontRef idx="minor"/>
+        </p:style>
+      </p:sp>
+      <p:sp>
+        <p:nvSpPr>
+          <p:cNvPr id="54" name="CustomShape 5"/>
+          <p:cNvSpPr/>
+          <p:nvPr/>
+        </p:nvSpPr>
+        <p:spPr>
+          <a:xfrm>
+            <a:off x="0" y="93600"/>
+            <a:ext cx="9141480" cy="59400"/>
+          </a:xfrm>
+          <a:prstGeom prst="rect">
+            <a:avLst/>
+          </a:prstGeom>
+          <a:solidFill>
+            <a:srgbClr val="F89926"/>
+          </a:solidFill>
+          <a:ln>
+            <a:noFill/>
+          </a:ln>
+        </p:spPr>
+        <p:style>
+          <a:lnRef idx="2">
+            <a:schemeClr val="accent1">
+              <a:shade val="50000"/>
+            </a:schemeClr>
+          </a:lnRef>
+          <a:fillRef idx="1">
+            <a:schemeClr val="accent1"/>
+          </a:fillRef>
+          <a:effectRef idx="0">
+            <a:schemeClr val="accent1"/>
+          </a:effectRef>
+          <a:fontRef idx="minor"/>
+        </p:style>
+      </p:sp>
+      <p:sp>
+        <p:nvSpPr>
+          <p:cNvPr id="55" name="CustomShape 6"/>
+          <p:cNvSpPr/>
+          <p:nvPr/>
+        </p:nvSpPr>
+        <p:spPr>
+          <a:xfrm>
+            <a:off x="256319" y="278280"/>
+            <a:ext cx="2469125" cy="453960"/>
+          </a:xfrm>
+          <a:prstGeom prst="rect">
+            <a:avLst/>
+          </a:prstGeom>
+          <a:noFill/>
+          <a:ln>
+            <a:noFill/>
+          </a:ln>
+        </p:spPr>
+        <p:style>
+          <a:lnRef idx="0">
+            <a:srgbClr val="FFFFFF"/>
+          </a:lnRef>
+          <a:fillRef idx="0">
+            <a:srgbClr val="FFFFFF"/>
+          </a:fillRef>
+          <a:effectRef idx="0">
+            <a:srgbClr val="FFFFFF"/>
+          </a:effectRef>
+          <a:fontRef idx="minor"/>
+        </p:style>
+        <p:txBody>
+          <a:bodyPr wrap="none" lIns="90000" tIns="45000" rIns="90000" bIns="45000"/>
+          <a:lstStyle/>
+          <a:p>
+            <a:pPr>
+              <a:lnSpc>
+                <a:spcPct val="100000"/>
+              </a:lnSpc>
+              <a:spcBef>
+                <a:spcPts val="480"/>
+              </a:spcBef>
+            </a:pPr>
+            <a:r>
+              <a:rPr lang="en-US" altLang="ja-JP" sz="2400" spc="-1" dirty="0">
+                <a:latin typeface="Arial"/>
+              </a:rPr>
+              <a:t>5</a:t>
+            </a:r>
+            <a:r>
+              <a:rPr lang="en-US" altLang="ja-JP" sz="2400" b="0" strike="noStrike" spc="-1" dirty="0">
+                <a:latin typeface="Arial"/>
+              </a:rPr>
+              <a:t>.Pull Request</a:t>
+            </a:r>
+            <a:r>
+              <a:rPr lang="ja-JP" altLang="en-US" sz="2400" b="0" strike="noStrike" spc="-1" dirty="0">
+                <a:latin typeface="Arial"/>
+              </a:rPr>
+              <a:t>時の注意</a:t>
+            </a:r>
+            <a:endParaRPr lang="en-US" sz="2400" b="0" strike="noStrike" spc="-1" dirty="0">
+              <a:latin typeface="Arial"/>
+            </a:endParaRPr>
+          </a:p>
+        </p:txBody>
+      </p:sp>
+      <p:sp>
+        <p:nvSpPr>
+          <p:cNvPr id="56" name="CustomShape 7"/>
+          <p:cNvSpPr/>
+          <p:nvPr/>
+        </p:nvSpPr>
+        <p:spPr>
+          <a:xfrm>
+            <a:off x="155520" y="-144360"/>
+            <a:ext cx="302400" cy="302400"/>
+          </a:xfrm>
+          <a:prstGeom prst="rect">
+            <a:avLst/>
+          </a:prstGeom>
+          <a:noFill/>
+          <a:ln>
+            <a:noFill/>
+          </a:ln>
+        </p:spPr>
+        <p:style>
+          <a:lnRef idx="0">
+            <a:srgbClr val="FFFFFF"/>
+          </a:lnRef>
+          <a:fillRef idx="0">
+            <a:srgbClr val="FFFFFF"/>
+          </a:fillRef>
+          <a:effectRef idx="0">
+            <a:srgbClr val="FFFFFF"/>
+          </a:effectRef>
+          <a:fontRef idx="minor"/>
+        </p:style>
+      </p:sp>
+      <p:sp>
+        <p:nvSpPr>
+          <p:cNvPr id="57" name="CustomShape 8"/>
+          <p:cNvSpPr/>
+          <p:nvPr/>
+        </p:nvSpPr>
+        <p:spPr>
+          <a:xfrm>
+            <a:off x="155520" y="-144360"/>
+            <a:ext cx="302400" cy="302400"/>
+          </a:xfrm>
+          <a:prstGeom prst="rect">
+            <a:avLst/>
+          </a:prstGeom>
+          <a:noFill/>
+          <a:ln>
+            <a:noFill/>
+          </a:ln>
+        </p:spPr>
+        <p:style>
+          <a:lnRef idx="0">
+            <a:srgbClr val="FFFFFF"/>
+          </a:lnRef>
+          <a:fillRef idx="0">
+            <a:srgbClr val="FFFFFF"/>
+          </a:fillRef>
+          <a:effectRef idx="0">
+            <a:srgbClr val="FFFFFF"/>
+          </a:effectRef>
+          <a:fontRef idx="minor"/>
+        </p:style>
+      </p:sp>
+      <p:sp>
+        <p:nvSpPr>
+          <p:cNvPr id="3" name="テキスト ボックス 2">
+            <a:extLst>
+              <a:ext uri="{FF2B5EF4-FFF2-40B4-BE49-F238E27FC236}">
+                <a16:creationId xmlns:a16="http://schemas.microsoft.com/office/drawing/2014/main" id="{A02F935A-53EC-4E54-AA2A-27F3DB05D8E8}"/>
+              </a:ext>
+            </a:extLst>
+          </p:cNvPr>
+          <p:cNvSpPr txBox="1"/>
+          <p:nvPr/>
+        </p:nvSpPr>
+        <p:spPr>
+          <a:xfrm>
+            <a:off x="618376" y="1369800"/>
+            <a:ext cx="6686446" cy="646331"/>
+          </a:xfrm>
+          <a:prstGeom prst="rect">
+            <a:avLst/>
+          </a:prstGeom>
+          <a:noFill/>
+        </p:spPr>
+        <p:txBody>
+          <a:bodyPr wrap="none" rtlCol="0">
+            <a:spAutoFit/>
+          </a:bodyPr>
+          <a:lstStyle/>
+          <a:p>
+            <a:pPr marL="342900" indent="-342900">
+              <a:buAutoNum type="arabicPeriod"/>
+            </a:pPr>
+            <a:r>
+              <a:rPr kumimoji="1" lang="en-US" altLang="ja-JP" dirty="0"/>
+              <a:t>Conflict</a:t>
+            </a:r>
+            <a:r>
+              <a:rPr kumimoji="1" lang="ja-JP" altLang="en-US" dirty="0"/>
+              <a:t>が発生する時に、開発者は</a:t>
+            </a:r>
+            <a:r>
+              <a:rPr kumimoji="1" lang="en-US" altLang="ja-JP" dirty="0"/>
+              <a:t>Conflict</a:t>
+            </a:r>
+            <a:r>
+              <a:rPr kumimoji="1" lang="ja-JP" altLang="en-US" dirty="0"/>
+              <a:t>を解決してから、</a:t>
+            </a:r>
+            <a:endParaRPr kumimoji="1" lang="en-US" altLang="ja-JP" dirty="0"/>
+          </a:p>
+          <a:p>
+            <a:r>
+              <a:rPr kumimoji="1" lang="en-US" altLang="ja-JP" dirty="0"/>
+              <a:t>Reviewer</a:t>
+            </a:r>
+            <a:r>
+              <a:rPr kumimoji="1" lang="ja-JP" altLang="en-US"/>
+              <a:t>に依頼すること。</a:t>
+            </a:r>
+            <a:endParaRPr kumimoji="1" lang="en-US" altLang="ja-JP" dirty="0"/>
+          </a:p>
+        </p:txBody>
+      </p:sp>
+    </p:spTree>
+    <p:extLst>
+      <p:ext uri="{BB962C8B-B14F-4D97-AF65-F5344CB8AC3E}">
+        <p14:creationId xmlns:p14="http://schemas.microsoft.com/office/powerpoint/2010/main" val="3223119916"/>
       </p:ext>
     </p:extLst>
   </p:cSld>
